--- a/hrf/election.pptx
+++ b/hrf/election.pptx
@@ -109,6 +109,11 @@
       </a:defRPr>
     </a:lvl9pPr>
   </p:defaultTextStyle>
+  <p:extLst>
+    <p:ext uri="{EFAFB233-063F-42B5-8137-9DF3F51BA10A}">
+      <p15:sldGuideLst xmlns:p15="http://schemas.microsoft.com/office/powerpoint/2012/main"/>
+    </p:ext>
+  </p:extLst>
 </p:presentation>
 </file>
 
@@ -259,7 +264,7 @@
           <a:p>
             <a:fld id="{51215776-DBB9-5B46-AB50-C3F2539CF675}" type="datetimeFigureOut">
               <a:rPr lang="en-US" smtClean="0"/>
-              <a:t>2/3/22</a:t>
+              <a:t>3/21/22</a:t>
             </a:fld>
             <a:endParaRPr lang="en-US"/>
           </a:p>
@@ -457,7 +462,7 @@
           <a:p>
             <a:fld id="{51215776-DBB9-5B46-AB50-C3F2539CF675}" type="datetimeFigureOut">
               <a:rPr lang="en-US" smtClean="0"/>
-              <a:t>2/3/22</a:t>
+              <a:t>3/21/22</a:t>
             </a:fld>
             <a:endParaRPr lang="en-US"/>
           </a:p>
@@ -665,7 +670,7 @@
           <a:p>
             <a:fld id="{51215776-DBB9-5B46-AB50-C3F2539CF675}" type="datetimeFigureOut">
               <a:rPr lang="en-US" smtClean="0"/>
-              <a:t>2/3/22</a:t>
+              <a:t>3/21/22</a:t>
             </a:fld>
             <a:endParaRPr lang="en-US"/>
           </a:p>
@@ -863,7 +868,7 @@
           <a:p>
             <a:fld id="{51215776-DBB9-5B46-AB50-C3F2539CF675}" type="datetimeFigureOut">
               <a:rPr lang="en-US" smtClean="0"/>
-              <a:t>2/3/22</a:t>
+              <a:t>3/21/22</a:t>
             </a:fld>
             <a:endParaRPr lang="en-US"/>
           </a:p>
@@ -1138,7 +1143,7 @@
           <a:p>
             <a:fld id="{51215776-DBB9-5B46-AB50-C3F2539CF675}" type="datetimeFigureOut">
               <a:rPr lang="en-US" smtClean="0"/>
-              <a:t>2/3/22</a:t>
+              <a:t>3/21/22</a:t>
             </a:fld>
             <a:endParaRPr lang="en-US"/>
           </a:p>
@@ -1403,7 +1408,7 @@
           <a:p>
             <a:fld id="{51215776-DBB9-5B46-AB50-C3F2539CF675}" type="datetimeFigureOut">
               <a:rPr lang="en-US" smtClean="0"/>
-              <a:t>2/3/22</a:t>
+              <a:t>3/21/22</a:t>
             </a:fld>
             <a:endParaRPr lang="en-US"/>
           </a:p>
@@ -1815,7 +1820,7 @@
           <a:p>
             <a:fld id="{51215776-DBB9-5B46-AB50-C3F2539CF675}" type="datetimeFigureOut">
               <a:rPr lang="en-US" smtClean="0"/>
-              <a:t>2/3/22</a:t>
+              <a:t>3/21/22</a:t>
             </a:fld>
             <a:endParaRPr lang="en-US"/>
           </a:p>
@@ -1956,7 +1961,7 @@
           <a:p>
             <a:fld id="{51215776-DBB9-5B46-AB50-C3F2539CF675}" type="datetimeFigureOut">
               <a:rPr lang="en-US" smtClean="0"/>
-              <a:t>2/3/22</a:t>
+              <a:t>3/21/22</a:t>
             </a:fld>
             <a:endParaRPr lang="en-US"/>
           </a:p>
@@ -2069,7 +2074,7 @@
           <a:p>
             <a:fld id="{51215776-DBB9-5B46-AB50-C3F2539CF675}" type="datetimeFigureOut">
               <a:rPr lang="en-US" smtClean="0"/>
-              <a:t>2/3/22</a:t>
+              <a:t>3/21/22</a:t>
             </a:fld>
             <a:endParaRPr lang="en-US"/>
           </a:p>
@@ -2380,7 +2385,7 @@
           <a:p>
             <a:fld id="{51215776-DBB9-5B46-AB50-C3F2539CF675}" type="datetimeFigureOut">
               <a:rPr lang="en-US" smtClean="0"/>
-              <a:t>2/3/22</a:t>
+              <a:t>3/21/22</a:t>
             </a:fld>
             <a:endParaRPr lang="en-US"/>
           </a:p>
@@ -2668,7 +2673,7 @@
           <a:p>
             <a:fld id="{51215776-DBB9-5B46-AB50-C3F2539CF675}" type="datetimeFigureOut">
               <a:rPr lang="en-US" smtClean="0"/>
-              <a:t>2/3/22</a:t>
+              <a:t>3/21/22</a:t>
             </a:fld>
             <a:endParaRPr lang="en-US"/>
           </a:p>
@@ -2909,7 +2914,7 @@
           <a:p>
             <a:fld id="{51215776-DBB9-5B46-AB50-C3F2539CF675}" type="datetimeFigureOut">
               <a:rPr lang="en-US" smtClean="0"/>
-              <a:t>2/3/22</a:t>
+              <a:t>3/21/22</a:t>
             </a:fld>
             <a:endParaRPr lang="en-US"/>
           </a:p>
@@ -3449,19 +3454,17 @@
       </p:sp>
       <p:pic>
         <p:nvPicPr>
-          <p:cNvPr id="5" name="Content Placeholder 4">
-            <a:extLst>
-              <a:ext uri="{FF2B5EF4-FFF2-40B4-BE49-F238E27FC236}">
-                <a16:creationId xmlns:a16="http://schemas.microsoft.com/office/drawing/2014/main" id="{726C2204-F0AD-554C-9D46-618E6A76D203}"/>
+          <p:cNvPr id="10" name="Picture 9" descr="Diagram&#10;&#10;Description automatically generated with medium confidence">
+            <a:extLst>
+              <a:ext uri="{FF2B5EF4-FFF2-40B4-BE49-F238E27FC236}">
+                <a16:creationId xmlns:a16="http://schemas.microsoft.com/office/drawing/2014/main" id="{1DEC057B-514B-384A-A808-F596E2E46484}"/>
               </a:ext>
             </a:extLst>
           </p:cNvPr>
           <p:cNvPicPr>
-            <a:picLocks noGrp="1" noChangeAspect="1"/>
+            <a:picLocks noChangeAspect="1"/>
           </p:cNvPicPr>
-          <p:nvPr>
-            <p:ph idx="1"/>
-          </p:nvPr>
+          <p:nvPr/>
         </p:nvPicPr>
         <p:blipFill>
           <a:blip r:embed="rId2"/>
@@ -3471,9 +3474,12 @@
         </p:blipFill>
         <p:spPr>
           <a:xfrm>
-            <a:off x="927767" y="1938970"/>
-            <a:ext cx="10134086" cy="2788214"/>
+            <a:off x="349250" y="1879600"/>
+            <a:ext cx="11493500" cy="3098800"/>
           </a:xfrm>
+          <a:prstGeom prst="rect">
+            <a:avLst/>
+          </a:prstGeom>
         </p:spPr>
       </p:pic>
     </p:spTree>
@@ -3508,19 +3514,17 @@
       </p:grpSpPr>
       <p:pic>
         <p:nvPicPr>
-          <p:cNvPr id="5" name="Content Placeholder 4" descr="A picture containing text, sky&#10;&#10;Description automatically generated">
-            <a:extLst>
-              <a:ext uri="{FF2B5EF4-FFF2-40B4-BE49-F238E27FC236}">
-                <a16:creationId xmlns:a16="http://schemas.microsoft.com/office/drawing/2014/main" id="{1345B012-2C99-A24C-AF27-7152CFDFD839}"/>
+          <p:cNvPr id="10" name="Picture 9" descr="Diagram&#10;&#10;Description automatically generated">
+            <a:extLst>
+              <a:ext uri="{FF2B5EF4-FFF2-40B4-BE49-F238E27FC236}">
+                <a16:creationId xmlns:a16="http://schemas.microsoft.com/office/drawing/2014/main" id="{4E8B2D91-E2E3-664D-8EAE-87B34756A902}"/>
               </a:ext>
             </a:extLst>
           </p:cNvPr>
           <p:cNvPicPr>
-            <a:picLocks noGrp="1" noChangeAspect="1"/>
+            <a:picLocks noChangeAspect="1"/>
           </p:cNvPicPr>
-          <p:nvPr>
-            <p:ph idx="1"/>
-          </p:nvPr>
+          <p:nvPr/>
         </p:nvPicPr>
         <p:blipFill>
           <a:blip r:embed="rId2"/>
@@ -3530,9 +3534,12 @@
         </p:blipFill>
         <p:spPr>
           <a:xfrm>
-            <a:off x="3765151" y="-269824"/>
-            <a:ext cx="8426849" cy="4351338"/>
+            <a:off x="5380733" y="-38510"/>
+            <a:ext cx="6811267" cy="3602719"/>
           </a:xfrm>
+          <a:prstGeom prst="rect">
+            <a:avLst/>
+          </a:prstGeom>
         </p:spPr>
       </p:pic>
       <p:sp>
@@ -3577,8 +3584,8 @@
         </p:nvSpPr>
         <p:spPr>
           <a:xfrm>
-            <a:off x="389744" y="2383436"/>
-            <a:ext cx="7600013" cy="4524315"/>
+            <a:off x="0" y="2238812"/>
+            <a:ext cx="5380733" cy="4524315"/>
           </a:xfrm>
           <a:prstGeom prst="rect">
             <a:avLst/>
@@ -3593,7 +3600,7 @@
           <a:p>
             <a:r>
               <a:rPr lang="en-US" b="1" dirty="0"/>
-              <a:t>nomination</a:t>
+              <a:t>Nomination</a:t>
             </a:r>
             <a:r>
               <a:rPr lang="en-US" dirty="0"/>
@@ -3604,18 +3611,28 @@
             </a:br>
             <a:r>
               <a:rPr lang="en-US" b="1" dirty="0"/>
-              <a:t>declare candidacy</a:t>
+              <a:t>Declare candidacy</a:t>
             </a:r>
             <a:r>
               <a:rPr lang="en-US" dirty="0"/>
               <a:t> – a person declares themselves a candidate for nomination</a:t>
             </a:r>
+          </a:p>
+          <a:p>
+            <a:r>
+              <a:rPr lang="en-US" b="1" dirty="0"/>
+              <a:t>Nomination campaign</a:t>
+            </a:r>
+            <a:r>
+              <a:rPr lang="en-US" dirty="0"/>
+              <a:t> – container for a repeatable sub-episode of campaigning</a:t>
+            </a:r>
             <a:br>
               <a:rPr lang="en-US" dirty="0"/>
             </a:br>
             <a:r>
               <a:rPr lang="en-US" b="1" dirty="0"/>
-              <a:t>campaign</a:t>
+              <a:t>Campaign for nomination</a:t>
             </a:r>
             <a:r>
               <a:rPr lang="en-US" dirty="0"/>
@@ -3626,18 +3643,28 @@
             </a:br>
             <a:r>
               <a:rPr lang="en-US" b="1" dirty="0"/>
-              <a:t>debate</a:t>
+              <a:t>Debate</a:t>
             </a:r>
             <a:r>
               <a:rPr lang="en-US" dirty="0"/>
               <a:t> – a candidate attends debates with other candidates to clarify their political platform</a:t>
             </a:r>
+          </a:p>
+          <a:p>
+            <a:r>
+              <a:rPr lang="en-US" b="1" dirty="0"/>
+              <a:t>Gather information</a:t>
+            </a:r>
+            <a:r>
+              <a:rPr lang="en-US" dirty="0"/>
+              <a:t> – a candidate or related parties may gather information via polling/surveying to find what location and issues to prioritize</a:t>
+            </a:r>
             <a:br>
               <a:rPr lang="en-US" dirty="0"/>
             </a:br>
             <a:r>
               <a:rPr lang="en-US" b="1" dirty="0"/>
-              <a:t>drop out</a:t>
+              <a:t>Drop out</a:t>
             </a:r>
             <a:r>
               <a:rPr lang="en-US" dirty="0"/>
@@ -3648,18 +3675,58 @@
             </a:br>
             <a:r>
               <a:rPr lang="en-US" b="1" dirty="0"/>
-              <a:t>endorse candidate</a:t>
+              <a:t>Endorse candidate</a:t>
             </a:r>
             <a:r>
               <a:rPr lang="en-US" dirty="0"/>
               <a:t> – a candidate who has dropped out will typically endorse a different candidate whose views best align with theirs</a:t>
             </a:r>
+            <a:endParaRPr lang="en-US" b="1" dirty="0"/>
+          </a:p>
+        </p:txBody>
+      </p:sp>
+      <p:sp>
+        <p:nvSpPr>
+          <p:cNvPr id="13" name="TextBox 12">
+            <a:extLst>
+              <a:ext uri="{FF2B5EF4-FFF2-40B4-BE49-F238E27FC236}">
+                <a16:creationId xmlns:a16="http://schemas.microsoft.com/office/drawing/2014/main" id="{8966628D-B68D-6048-A296-2CEC3A77042A}"/>
+              </a:ext>
+            </a:extLst>
+          </p:cNvPr>
+          <p:cNvSpPr txBox="1"/>
+          <p:nvPr/>
+        </p:nvSpPr>
+        <p:spPr>
+          <a:xfrm>
+            <a:off x="5380733" y="3735373"/>
+            <a:ext cx="6811267" cy="3139321"/>
+          </a:xfrm>
+          <a:prstGeom prst="rect">
+            <a:avLst/>
+          </a:prstGeom>
+          <a:noFill/>
+        </p:spPr>
+        <p:txBody>
+          <a:bodyPr wrap="square" rtlCol="0">
+            <a:spAutoFit/>
+          </a:bodyPr>
+          <a:lstStyle/>
+          <a:p>
+            <a:r>
+              <a:rPr lang="en-US" b="1" dirty="0"/>
+              <a:t>Continue campaign</a:t>
+            </a:r>
+            <a:r>
+              <a:rPr lang="en-US" dirty="0"/>
+              <a:t> – during the campaign, as more information is revealed, a candidate may decide to continue campaigning</a:t>
+            </a:r>
             <a:br>
               <a:rPr lang="en-US" dirty="0"/>
             </a:br>
             <a:r>
               <a:rPr lang="en-US" b="1" dirty="0"/>
-              <a:t>unofficially nominated</a:t>
+              <a:t>Unofficially nominated</a:t>
             </a:r>
             <a:r>
               <a:rPr lang="en-US" dirty="0"/>
@@ -3670,7 +3737,7 @@
             </a:br>
             <a:r>
               <a:rPr lang="en-US" b="1" dirty="0"/>
-              <a:t>announce running mate</a:t>
+              <a:t>Announce running mate</a:t>
             </a:r>
             <a:r>
               <a:rPr lang="en-US" dirty="0"/>
@@ -3681,7 +3748,7 @@
             </a:br>
             <a:r>
               <a:rPr lang="en-US" b="1" dirty="0"/>
-              <a:t>party convention</a:t>
+              <a:t>Party convention</a:t>
             </a:r>
             <a:r>
               <a:rPr lang="en-US" dirty="0"/>
@@ -3692,7 +3759,7 @@
             </a:br>
             <a:r>
               <a:rPr lang="en-US" b="1" dirty="0"/>
-              <a:t>officially nominated</a:t>
+              <a:t>Officially nominated</a:t>
             </a:r>
             <a:r>
               <a:rPr lang="en-US" dirty="0"/>
@@ -3703,7 +3770,7 @@
             </a:br>
             <a:r>
               <a:rPr lang="en-US" b="1" dirty="0"/>
-              <a:t>campaign</a:t>
+              <a:t>Official campaign</a:t>
             </a:r>
             <a:r>
               <a:rPr lang="en-US" dirty="0"/>
@@ -3743,49 +3810,19 @@
           <a:chExt cx="0" cy="0"/>
         </a:xfrm>
       </p:grpSpPr>
-      <p:sp>
-        <p:nvSpPr>
-          <p:cNvPr id="2" name="Title 1">
-            <a:extLst>
-              <a:ext uri="{FF2B5EF4-FFF2-40B4-BE49-F238E27FC236}">
-                <a16:creationId xmlns:a16="http://schemas.microsoft.com/office/drawing/2014/main" id="{C2706A76-CD78-A849-B271-E872D75E640C}"/>
-              </a:ext>
-            </a:extLst>
-          </p:cNvPr>
-          <p:cNvSpPr>
-            <a:spLocks noGrp="1"/>
-          </p:cNvSpPr>
-          <p:nvPr>
-            <p:ph type="title"/>
-          </p:nvPr>
-        </p:nvSpPr>
-        <p:spPr/>
-        <p:txBody>
-          <a:bodyPr/>
-          <a:lstStyle/>
-          <a:p>
-            <a:r>
-              <a:rPr lang="en-US" dirty="0"/>
-              <a:t>Campaign episode</a:t>
-            </a:r>
-          </a:p>
-        </p:txBody>
-      </p:sp>
       <p:pic>
         <p:nvPicPr>
-          <p:cNvPr id="5" name="Content Placeholder 4" descr="A picture containing text, sky, sign&#10;&#10;Description automatically generated">
-            <a:extLst>
-              <a:ext uri="{FF2B5EF4-FFF2-40B4-BE49-F238E27FC236}">
-                <a16:creationId xmlns:a16="http://schemas.microsoft.com/office/drawing/2014/main" id="{FE34D606-7C04-4946-A1E1-F7CCBEBA831B}"/>
+          <p:cNvPr id="4" name="Picture 3" descr="Diagram&#10;&#10;Description automatically generated">
+            <a:extLst>
+              <a:ext uri="{FF2B5EF4-FFF2-40B4-BE49-F238E27FC236}">
+                <a16:creationId xmlns:a16="http://schemas.microsoft.com/office/drawing/2014/main" id="{17B4B9A7-D8EB-5A40-853F-0D2E08D14D27}"/>
               </a:ext>
             </a:extLst>
           </p:cNvPr>
           <p:cNvPicPr>
-            <a:picLocks noGrp="1" noChangeAspect="1"/>
+            <a:picLocks noChangeAspect="1"/>
           </p:cNvPicPr>
-          <p:nvPr>
-            <p:ph idx="1"/>
-          </p:nvPr>
+          <p:nvPr/>
         </p:nvPicPr>
         <p:blipFill>
           <a:blip r:embed="rId2"/>
@@ -3795,13 +3832,44 @@
         </p:blipFill>
         <p:spPr>
           <a:xfrm>
-            <a:off x="8452908" y="1975527"/>
-            <a:ext cx="2900892" cy="4351338"/>
+            <a:off x="6845300" y="6350"/>
+            <a:ext cx="5346700" cy="6845300"/>
           </a:xfrm>
+          <a:prstGeom prst="rect">
+            <a:avLst/>
+          </a:prstGeom>
         </p:spPr>
       </p:pic>
       <p:sp>
         <p:nvSpPr>
+          <p:cNvPr id="2" name="Title 1">
+            <a:extLst>
+              <a:ext uri="{FF2B5EF4-FFF2-40B4-BE49-F238E27FC236}">
+                <a16:creationId xmlns:a16="http://schemas.microsoft.com/office/drawing/2014/main" id="{C2706A76-CD78-A849-B271-E872D75E640C}"/>
+              </a:ext>
+            </a:extLst>
+          </p:cNvPr>
+          <p:cNvSpPr>
+            <a:spLocks noGrp="1"/>
+          </p:cNvSpPr>
+          <p:nvPr>
+            <p:ph type="title"/>
+          </p:nvPr>
+        </p:nvSpPr>
+        <p:spPr/>
+        <p:txBody>
+          <a:bodyPr/>
+          <a:lstStyle/>
+          <a:p>
+            <a:r>
+              <a:rPr lang="en-US" dirty="0"/>
+              <a:t>Official campaign episode</a:t>
+            </a:r>
+          </a:p>
+        </p:txBody>
+      </p:sp>
+      <p:sp>
+        <p:nvSpPr>
           <p:cNvPr id="6" name="TextBox 5">
             <a:extLst>
               <a:ext uri="{FF2B5EF4-FFF2-40B4-BE49-F238E27FC236}">
@@ -3814,8 +3882,8 @@
         </p:nvSpPr>
         <p:spPr>
           <a:xfrm>
-            <a:off x="389744" y="2383436"/>
-            <a:ext cx="7600013" cy="3139321"/>
+            <a:off x="389745" y="2383436"/>
+            <a:ext cx="5889870" cy="3970318"/>
           </a:xfrm>
           <a:prstGeom prst="rect">
             <a:avLst/>
@@ -3830,18 +3898,40 @@
           <a:p>
             <a:r>
               <a:rPr lang="en-US" b="1" dirty="0"/>
-              <a:t>campaign (diamond shape)</a:t>
-            </a:r>
-            <a:r>
-              <a:rPr lang="en-US" dirty="0"/>
-              <a:t> – container for the episode</a:t>
+              <a:t>Official campaign </a:t>
+            </a:r>
+            <a:r>
+              <a:rPr lang="en-US" dirty="0"/>
+              <a:t>– container for the episode</a:t>
             </a:r>
             <a:br>
               <a:rPr lang="en-US" dirty="0"/>
             </a:br>
             <a:r>
               <a:rPr lang="en-US" b="1" dirty="0"/>
-              <a:t>speech</a:t>
+              <a:t>Debate</a:t>
+            </a:r>
+            <a:r>
+              <a:rPr lang="en-US" dirty="0"/>
+              <a:t> – candidate will attend debates with other candidates</a:t>
+            </a:r>
+            <a:br>
+              <a:rPr lang="en-US" dirty="0"/>
+            </a:br>
+            <a:r>
+              <a:rPr lang="en-US" b="1" dirty="0"/>
+              <a:t>Campaign </a:t>
+            </a:r>
+            <a:r>
+              <a:rPr lang="en-US" dirty="0"/>
+              <a:t>– candidate will hold rallies or meet and greets to generate support</a:t>
+            </a:r>
+            <a:br>
+              <a:rPr lang="en-US" dirty="0"/>
+            </a:br>
+            <a:r>
+              <a:rPr lang="en-US" b="1" dirty="0"/>
+              <a:t>Speech</a:t>
             </a:r>
             <a:r>
               <a:rPr lang="en-US" dirty="0"/>
@@ -3852,61 +3942,39 @@
             </a:br>
             <a:r>
               <a:rPr lang="en-US" b="1" dirty="0"/>
-              <a:t>campaign (ellipse shape)</a:t>
-            </a:r>
-            <a:r>
-              <a:rPr lang="en-US" dirty="0"/>
-              <a:t> – candidate will hold rallies or meet and greets to generate support</a:t>
+              <a:t>Fundraising</a:t>
+            </a:r>
+            <a:r>
+              <a:rPr lang="en-US" dirty="0"/>
+              <a:t> – candidate will (optionally) raise funds to support their campaign</a:t>
+            </a:r>
+          </a:p>
+          <a:p>
+            <a:r>
+              <a:rPr lang="en-US" b="1" dirty="0"/>
+              <a:t>Media appearance</a:t>
+            </a:r>
+            <a:r>
+              <a:rPr lang="en-US" dirty="0"/>
+              <a:t> – candidate will appear in the media via interviews and events</a:t>
             </a:r>
             <a:br>
               <a:rPr lang="en-US" dirty="0"/>
             </a:br>
             <a:r>
               <a:rPr lang="en-US" b="1" dirty="0"/>
-              <a:t>fundraising</a:t>
-            </a:r>
-            <a:r>
-              <a:rPr lang="en-US" dirty="0"/>
-              <a:t> – candidate will raise funds to support their campaign</a:t>
+              <a:t>Advertising</a:t>
+            </a:r>
+            <a:r>
+              <a:rPr lang="en-US" dirty="0"/>
+              <a:t> – candidate will run advertisements to reach a wider audience</a:t>
             </a:r>
             <a:br>
               <a:rPr lang="en-US" dirty="0"/>
             </a:br>
             <a:r>
               <a:rPr lang="en-US" b="1" dirty="0"/>
-              <a:t>advertising</a:t>
-            </a:r>
-            <a:r>
-              <a:rPr lang="en-US" dirty="0"/>
-              <a:t> – candidate will run advertisements to reach a wider audience</a:t>
-            </a:r>
-            <a:br>
-              <a:rPr lang="en-US" dirty="0"/>
-            </a:br>
-            <a:r>
-              <a:rPr lang="en-US" b="1" dirty="0"/>
-              <a:t>debate</a:t>
-            </a:r>
-            <a:r>
-              <a:rPr lang="en-US" dirty="0"/>
-              <a:t> – candidate will attend debates with other candidates</a:t>
-            </a:r>
-            <a:br>
-              <a:rPr lang="en-US" dirty="0"/>
-            </a:br>
-            <a:r>
-              <a:rPr lang="en-US" b="1" dirty="0"/>
-              <a:t>media appearance</a:t>
-            </a:r>
-            <a:r>
-              <a:rPr lang="en-US" dirty="0"/>
-              <a:t> – candidate will appear in the media via interviews and events</a:t>
-            </a:r>
-          </a:p>
-          <a:p>
-            <a:r>
-              <a:rPr lang="en-US" b="1" dirty="0"/>
-              <a:t>voting</a:t>
+              <a:t>Voting</a:t>
             </a:r>
             <a:r>
               <a:rPr lang="en-US" dirty="0"/>
@@ -3948,10 +4016,10 @@
       </p:grpSpPr>
       <p:pic>
         <p:nvPicPr>
-          <p:cNvPr id="5" name="Content Placeholder 4" descr="A picture containing text, sky&#10;&#10;Description automatically generated">
-            <a:extLst>
-              <a:ext uri="{FF2B5EF4-FFF2-40B4-BE49-F238E27FC236}">
-                <a16:creationId xmlns:a16="http://schemas.microsoft.com/office/drawing/2014/main" id="{E16E3C75-8C30-0647-86F2-1DFE97B694B6}"/>
+          <p:cNvPr id="8" name="Content Placeholder 7" descr="A picture containing text, sky&#10;&#10;Description automatically generated">
+            <a:extLst>
+              <a:ext uri="{FF2B5EF4-FFF2-40B4-BE49-F238E27FC236}">
+                <a16:creationId xmlns:a16="http://schemas.microsoft.com/office/drawing/2014/main" id="{B9420920-0C10-2F4A-B3CF-AAD3C02CE101}"/>
               </a:ext>
             </a:extLst>
           </p:cNvPr>
@@ -3970,8 +4038,8 @@
         </p:blipFill>
         <p:spPr>
           <a:xfrm>
-            <a:off x="3818092" y="95977"/>
-            <a:ext cx="8373908" cy="4351338"/>
+            <a:off x="3213406" y="967515"/>
+            <a:ext cx="9004300" cy="3479800"/>
           </a:xfrm>
         </p:spPr>
       </p:pic>
@@ -3998,7 +4066,7 @@
           <a:p>
             <a:r>
               <a:rPr lang="en-US" dirty="0"/>
-              <a:t>Vote episode</a:t>
+              <a:t>Voting episode</a:t>
             </a:r>
           </a:p>
         </p:txBody>
@@ -4018,7 +4086,7 @@
         <p:spPr>
           <a:xfrm>
             <a:off x="147159" y="4447315"/>
-            <a:ext cx="7600013" cy="2031325"/>
+            <a:ext cx="7600013" cy="2308324"/>
           </a:xfrm>
           <a:prstGeom prst="rect">
             <a:avLst/>
@@ -4033,18 +4101,40 @@
           <a:p>
             <a:r>
               <a:rPr lang="en-US" b="1" dirty="0"/>
-              <a:t>vote</a:t>
+              <a:t>Voting</a:t>
             </a:r>
             <a:r>
               <a:rPr lang="en-US" dirty="0"/>
               <a:t> – container for the episode</a:t>
             </a:r>
+            <a:endParaRPr lang="en-US" b="1" dirty="0"/>
+          </a:p>
+          <a:p>
+            <a:r>
+              <a:rPr lang="en-US" b="1" dirty="0"/>
+              <a:t>Vote</a:t>
+            </a:r>
+            <a:r>
+              <a:rPr lang="en-US" dirty="0"/>
+              <a:t> – container for the event encompassing the process of a vote</a:t>
+            </a:r>
             <a:br>
               <a:rPr lang="en-US" dirty="0"/>
             </a:br>
             <a:r>
               <a:rPr lang="en-US" b="1" dirty="0"/>
-              <a:t>vote early</a:t>
+              <a:t>Mail in ballot</a:t>
+            </a:r>
+            <a:r>
+              <a:rPr lang="en-US" dirty="0"/>
+              <a:t> – some voters will mail in a ballot to vote</a:t>
+            </a:r>
+            <a:br>
+              <a:rPr lang="en-US" dirty="0"/>
+            </a:br>
+            <a:r>
+              <a:rPr lang="en-US" b="1" dirty="0"/>
+              <a:t>Vote early</a:t>
             </a:r>
             <a:r>
               <a:rPr lang="en-US" dirty="0"/>
@@ -4055,7 +4145,7 @@
             </a:br>
             <a:r>
               <a:rPr lang="en-US" b="1" dirty="0"/>
-              <a:t>go to polling site</a:t>
+              <a:t>Go to polling site</a:t>
             </a:r>
             <a:r>
               <a:rPr lang="en-US" dirty="0"/>
@@ -4066,39 +4156,28 @@
             </a:br>
             <a:r>
               <a:rPr lang="en-US" b="1" dirty="0"/>
-              <a:t>mail in ballot</a:t>
-            </a:r>
-            <a:r>
-              <a:rPr lang="en-US" dirty="0"/>
-              <a:t> – some voters will mail in a ballot to vote</a:t>
+              <a:t>Votes verified</a:t>
+            </a:r>
+            <a:r>
+              <a:rPr lang="en-US" dirty="0"/>
+              <a:t> – votes are counted and verified to prevent fraud</a:t>
             </a:r>
             <a:br>
               <a:rPr lang="en-US" dirty="0"/>
             </a:br>
             <a:r>
               <a:rPr lang="en-US" b="1" dirty="0"/>
-              <a:t>votes verified</a:t>
-            </a:r>
-            <a:r>
-              <a:rPr lang="en-US" dirty="0"/>
-              <a:t> – votes are counted and verified to prevent fraud</a:t>
-            </a:r>
-            <a:br>
-              <a:rPr lang="en-US" dirty="0"/>
-            </a:br>
+              <a:t>Winner declared</a:t>
+            </a:r>
+            <a:r>
+              <a:rPr lang="en-US" dirty="0"/>
+              <a:t> – the winner of the election is declared based on the votes</a:t>
+            </a:r>
+          </a:p>
+          <a:p>
             <a:r>
               <a:rPr lang="en-US" b="1" dirty="0"/>
-              <a:t>winner declared</a:t>
-            </a:r>
-            <a:r>
-              <a:rPr lang="en-US" dirty="0"/>
-              <a:t> – the winner of the election is declared based on the votes</a:t>
-            </a:r>
-          </a:p>
-          <a:p>
-            <a:r>
-              <a:rPr lang="en-US" b="1" dirty="0"/>
-              <a:t>conclude</a:t>
+              <a:t>Conclusion</a:t>
             </a:r>
             <a:r>
               <a:rPr lang="en-US" dirty="0"/>
@@ -4138,135 +4217,12 @@
           <a:chExt cx="0" cy="0"/>
         </a:xfrm>
       </p:grpSpPr>
-      <p:sp>
-        <p:nvSpPr>
-          <p:cNvPr id="2" name="Title 1">
-            <a:extLst>
-              <a:ext uri="{FF2B5EF4-FFF2-40B4-BE49-F238E27FC236}">
-                <a16:creationId xmlns:a16="http://schemas.microsoft.com/office/drawing/2014/main" id="{D856CADB-310F-D74C-8CF6-52A0F8E47C40}"/>
-              </a:ext>
-            </a:extLst>
-          </p:cNvPr>
-          <p:cNvSpPr>
-            <a:spLocks noGrp="1"/>
-          </p:cNvSpPr>
-          <p:nvPr>
-            <p:ph type="title"/>
-          </p:nvPr>
-        </p:nvSpPr>
-        <p:spPr/>
-        <p:txBody>
-          <a:bodyPr/>
-          <a:lstStyle/>
-          <a:p>
-            <a:r>
-              <a:rPr lang="en-US" dirty="0"/>
-              <a:t>Conclude episode</a:t>
-            </a:r>
-          </a:p>
-        </p:txBody>
-      </p:sp>
-      <p:sp>
-        <p:nvSpPr>
-          <p:cNvPr id="6" name="TextBox 5">
-            <a:extLst>
-              <a:ext uri="{FF2B5EF4-FFF2-40B4-BE49-F238E27FC236}">
-                <a16:creationId xmlns:a16="http://schemas.microsoft.com/office/drawing/2014/main" id="{74FF54C6-21AA-914E-9CF8-1047B470FAFE}"/>
-              </a:ext>
-            </a:extLst>
-          </p:cNvPr>
-          <p:cNvSpPr txBox="1"/>
-          <p:nvPr/>
-        </p:nvSpPr>
-        <p:spPr>
-          <a:xfrm>
-            <a:off x="136143" y="1781557"/>
-            <a:ext cx="4737166" cy="3139321"/>
-          </a:xfrm>
-          <a:prstGeom prst="rect">
-            <a:avLst/>
-          </a:prstGeom>
-          <a:noFill/>
-        </p:spPr>
-        <p:txBody>
-          <a:bodyPr wrap="square" rtlCol="0">
-            <a:spAutoFit/>
-          </a:bodyPr>
-          <a:lstStyle/>
-          <a:p>
-            <a:r>
-              <a:rPr lang="en-US" b="1" dirty="0"/>
-              <a:t>conclude</a:t>
-            </a:r>
-            <a:r>
-              <a:rPr lang="en-US" dirty="0"/>
-              <a:t> – container for the episode</a:t>
-            </a:r>
-            <a:br>
-              <a:rPr lang="en-US" dirty="0"/>
-            </a:br>
-            <a:r>
-              <a:rPr lang="en-US" b="1" dirty="0"/>
-              <a:t>inauguration</a:t>
-            </a:r>
-            <a:r>
-              <a:rPr lang="en-US" dirty="0"/>
-              <a:t> – the winner of the election is inaugurated</a:t>
-            </a:r>
-            <a:br>
-              <a:rPr lang="en-US" dirty="0"/>
-            </a:br>
-            <a:r>
-              <a:rPr lang="en-US" b="1" dirty="0"/>
-              <a:t>deny result</a:t>
-            </a:r>
-            <a:r>
-              <a:rPr lang="en-US" dirty="0"/>
-              <a:t> – a loser of the election may deny the result of the election</a:t>
-            </a:r>
-            <a:br>
-              <a:rPr lang="en-US" dirty="0"/>
-            </a:br>
-            <a:r>
-              <a:rPr lang="en-US" b="1" dirty="0"/>
-              <a:t>incite violence</a:t>
-            </a:r>
-            <a:r>
-              <a:rPr lang="en-US" dirty="0"/>
-              <a:t> – a loser of the election may incite violence to try to overturn the result</a:t>
-            </a:r>
-            <a:br>
-              <a:rPr lang="en-US" dirty="0"/>
-            </a:br>
-            <a:r>
-              <a:rPr lang="en-US" b="1" dirty="0"/>
-              <a:t>lawsuit</a:t>
-            </a:r>
-            <a:r>
-              <a:rPr lang="en-US" dirty="0"/>
-              <a:t> – a loser of the election may sue in order to attempt to overturn the result</a:t>
-            </a:r>
-            <a:br>
-              <a:rPr lang="en-US" dirty="0"/>
-            </a:br>
-            <a:r>
-              <a:rPr lang="en-US" b="1" dirty="0"/>
-              <a:t>coup d'état</a:t>
-            </a:r>
-            <a:r>
-              <a:rPr lang="en-US" dirty="0"/>
-              <a:t> – a loser of the election may attempt a coup</a:t>
-            </a:r>
-            <a:endParaRPr lang="en-US" b="1" dirty="0"/>
-          </a:p>
-        </p:txBody>
-      </p:sp>
       <p:pic>
         <p:nvPicPr>
-          <p:cNvPr id="8" name="Picture 7" descr="Diagram&#10;&#10;Description automatically generated">
-            <a:extLst>
-              <a:ext uri="{FF2B5EF4-FFF2-40B4-BE49-F238E27FC236}">
-                <a16:creationId xmlns:a16="http://schemas.microsoft.com/office/drawing/2014/main" id="{323EC987-5280-6244-B222-77FBB45A91DF}"/>
+          <p:cNvPr id="4" name="Picture 3" descr="Diagram&#10;&#10;Description automatically generated">
+            <a:extLst>
+              <a:ext uri="{FF2B5EF4-FFF2-40B4-BE49-F238E27FC236}">
+                <a16:creationId xmlns:a16="http://schemas.microsoft.com/office/drawing/2014/main" id="{836770BA-D757-4040-9E12-939065456B97}"/>
               </a:ext>
             </a:extLst>
           </p:cNvPr>
@@ -4283,14 +4239,137 @@
         </p:blipFill>
         <p:spPr>
           <a:xfrm>
-            <a:off x="4949531" y="2005070"/>
-            <a:ext cx="6857414" cy="3601980"/>
+            <a:off x="4960024" y="1690688"/>
+            <a:ext cx="7231976" cy="3413918"/>
           </a:xfrm>
           <a:prstGeom prst="rect">
             <a:avLst/>
           </a:prstGeom>
         </p:spPr>
       </p:pic>
+      <p:sp>
+        <p:nvSpPr>
+          <p:cNvPr id="2" name="Title 1">
+            <a:extLst>
+              <a:ext uri="{FF2B5EF4-FFF2-40B4-BE49-F238E27FC236}">
+                <a16:creationId xmlns:a16="http://schemas.microsoft.com/office/drawing/2014/main" id="{D856CADB-310F-D74C-8CF6-52A0F8E47C40}"/>
+              </a:ext>
+            </a:extLst>
+          </p:cNvPr>
+          <p:cNvSpPr>
+            <a:spLocks noGrp="1"/>
+          </p:cNvSpPr>
+          <p:nvPr>
+            <p:ph type="title"/>
+          </p:nvPr>
+        </p:nvSpPr>
+        <p:spPr/>
+        <p:txBody>
+          <a:bodyPr/>
+          <a:lstStyle/>
+          <a:p>
+            <a:r>
+              <a:rPr lang="en-US" dirty="0"/>
+              <a:t>Conclusion episode</a:t>
+            </a:r>
+          </a:p>
+        </p:txBody>
+      </p:sp>
+      <p:sp>
+        <p:nvSpPr>
+          <p:cNvPr id="6" name="TextBox 5">
+            <a:extLst>
+              <a:ext uri="{FF2B5EF4-FFF2-40B4-BE49-F238E27FC236}">
+                <a16:creationId xmlns:a16="http://schemas.microsoft.com/office/drawing/2014/main" id="{74FF54C6-21AA-914E-9CF8-1047B470FAFE}"/>
+              </a:ext>
+            </a:extLst>
+          </p:cNvPr>
+          <p:cNvSpPr txBox="1"/>
+          <p:nvPr/>
+        </p:nvSpPr>
+        <p:spPr>
+          <a:xfrm>
+            <a:off x="136143" y="1781557"/>
+            <a:ext cx="4737166" cy="3139321"/>
+          </a:xfrm>
+          <a:prstGeom prst="rect">
+            <a:avLst/>
+          </a:prstGeom>
+          <a:noFill/>
+        </p:spPr>
+        <p:txBody>
+          <a:bodyPr wrap="square" rtlCol="0">
+            <a:spAutoFit/>
+          </a:bodyPr>
+          <a:lstStyle/>
+          <a:p>
+            <a:r>
+              <a:rPr lang="en-US" b="1" dirty="0"/>
+              <a:t>Conclusion</a:t>
+            </a:r>
+            <a:r>
+              <a:rPr lang="en-US" dirty="0"/>
+              <a:t> – container for the episode</a:t>
+            </a:r>
+            <a:br>
+              <a:rPr lang="en-US" dirty="0"/>
+            </a:br>
+            <a:r>
+              <a:rPr lang="en-US" b="1" dirty="0"/>
+              <a:t>Inauguration</a:t>
+            </a:r>
+            <a:r>
+              <a:rPr lang="en-US" dirty="0"/>
+              <a:t> – the winner of the election is inaugurated</a:t>
+            </a:r>
+            <a:br>
+              <a:rPr lang="en-US" dirty="0"/>
+            </a:br>
+            <a:r>
+              <a:rPr lang="en-US" b="1" dirty="0"/>
+              <a:t>Reject result</a:t>
+            </a:r>
+            <a:r>
+              <a:rPr lang="en-US" dirty="0"/>
+              <a:t> – a loser of the election may deny the result of the election</a:t>
+            </a:r>
+            <a:br>
+              <a:rPr lang="en-US" dirty="0"/>
+            </a:br>
+            <a:r>
+              <a:rPr lang="en-US" b="1" dirty="0"/>
+              <a:t>Lawsuit</a:t>
+            </a:r>
+            <a:r>
+              <a:rPr lang="en-US" dirty="0"/>
+              <a:t> – a loser of the election may sue in order to attempt to overturn the result</a:t>
+            </a:r>
+            <a:br>
+              <a:rPr lang="en-US" dirty="0"/>
+            </a:br>
+            <a:r>
+              <a:rPr lang="en-US" b="1" dirty="0"/>
+              <a:t>Incite violence</a:t>
+            </a:r>
+            <a:r>
+              <a:rPr lang="en-US" dirty="0"/>
+              <a:t> – a loser of the election may incite violence to try to overturn the result</a:t>
+            </a:r>
+            <a:br>
+              <a:rPr lang="en-US" dirty="0"/>
+            </a:br>
+            <a:r>
+              <a:rPr lang="en-US" b="1" dirty="0"/>
+              <a:t>Coup d'état</a:t>
+            </a:r>
+            <a:r>
+              <a:rPr lang="en-US" dirty="0"/>
+              <a:t> – a loser of the election may attempt a coup</a:t>
+            </a:r>
+            <a:endParaRPr lang="en-US" b="1" dirty="0"/>
+          </a:p>
+        </p:txBody>
+      </p:sp>
     </p:spTree>
     <p:extLst>
       <p:ext uri="{BB962C8B-B14F-4D97-AF65-F5344CB8AC3E}">
